--- a/Daily Agendas/Day4.3 MotionAnalysisPractice2D.pptx
+++ b/Daily Agendas/Day4.3 MotionAnalysisPractice2D.pptx
@@ -6,6 +6,7 @@
   </p:sldMasterIdLst>
   <p:sldIdLst>
     <p:sldId id="257" r:id="rId2"/>
+    <p:sldId id="258" r:id="rId3"/>
   </p:sldIdLst>
   <p:sldSz cx="9144000" cy="6858000" type="screen4x3"/>
   <p:notesSz cx="6858000" cy="9144000"/>
@@ -243,7 +244,7 @@
           <a:p>
             <a:fld id="{DBFDDC6D-30E6-4591-A5D6-EBA4A0A375E4}" type="datetimeFigureOut">
               <a:rPr lang="en-US" smtClean="0"/>
-              <a:t>2/25/2020</a:t>
+              <a:t>2/26/2020</a:t>
             </a:fld>
             <a:endParaRPr lang="en-US"/>
           </a:p>
@@ -413,7 +414,7 @@
           <a:p>
             <a:fld id="{DBFDDC6D-30E6-4591-A5D6-EBA4A0A375E4}" type="datetimeFigureOut">
               <a:rPr lang="en-US" smtClean="0"/>
-              <a:t>2/25/2020</a:t>
+              <a:t>2/26/2020</a:t>
             </a:fld>
             <a:endParaRPr lang="en-US"/>
           </a:p>
@@ -593,7 +594,7 @@
           <a:p>
             <a:fld id="{DBFDDC6D-30E6-4591-A5D6-EBA4A0A375E4}" type="datetimeFigureOut">
               <a:rPr lang="en-US" smtClean="0"/>
-              <a:t>2/25/2020</a:t>
+              <a:t>2/26/2020</a:t>
             </a:fld>
             <a:endParaRPr lang="en-US"/>
           </a:p>
@@ -763,7 +764,7 @@
           <a:p>
             <a:fld id="{DBFDDC6D-30E6-4591-A5D6-EBA4A0A375E4}" type="datetimeFigureOut">
               <a:rPr lang="en-US" smtClean="0"/>
-              <a:t>2/25/2020</a:t>
+              <a:t>2/26/2020</a:t>
             </a:fld>
             <a:endParaRPr lang="en-US"/>
           </a:p>
@@ -1007,7 +1008,7 @@
           <a:p>
             <a:fld id="{DBFDDC6D-30E6-4591-A5D6-EBA4A0A375E4}" type="datetimeFigureOut">
               <a:rPr lang="en-US" smtClean="0"/>
-              <a:t>2/25/2020</a:t>
+              <a:t>2/26/2020</a:t>
             </a:fld>
             <a:endParaRPr lang="en-US"/>
           </a:p>
@@ -1239,7 +1240,7 @@
           <a:p>
             <a:fld id="{DBFDDC6D-30E6-4591-A5D6-EBA4A0A375E4}" type="datetimeFigureOut">
               <a:rPr lang="en-US" smtClean="0"/>
-              <a:t>2/25/2020</a:t>
+              <a:t>2/26/2020</a:t>
             </a:fld>
             <a:endParaRPr lang="en-US"/>
           </a:p>
@@ -1606,7 +1607,7 @@
           <a:p>
             <a:fld id="{DBFDDC6D-30E6-4591-A5D6-EBA4A0A375E4}" type="datetimeFigureOut">
               <a:rPr lang="en-US" smtClean="0"/>
-              <a:t>2/25/2020</a:t>
+              <a:t>2/26/2020</a:t>
             </a:fld>
             <a:endParaRPr lang="en-US"/>
           </a:p>
@@ -1724,7 +1725,7 @@
           <a:p>
             <a:fld id="{DBFDDC6D-30E6-4591-A5D6-EBA4A0A375E4}" type="datetimeFigureOut">
               <a:rPr lang="en-US" smtClean="0"/>
-              <a:t>2/25/2020</a:t>
+              <a:t>2/26/2020</a:t>
             </a:fld>
             <a:endParaRPr lang="en-US"/>
           </a:p>
@@ -1819,7 +1820,7 @@
           <a:p>
             <a:fld id="{DBFDDC6D-30E6-4591-A5D6-EBA4A0A375E4}" type="datetimeFigureOut">
               <a:rPr lang="en-US" smtClean="0"/>
-              <a:t>2/25/2020</a:t>
+              <a:t>2/26/2020</a:t>
             </a:fld>
             <a:endParaRPr lang="en-US"/>
           </a:p>
@@ -2096,7 +2097,7 @@
           <a:p>
             <a:fld id="{DBFDDC6D-30E6-4591-A5D6-EBA4A0A375E4}" type="datetimeFigureOut">
               <a:rPr lang="en-US" smtClean="0"/>
-              <a:t>2/25/2020</a:t>
+              <a:t>2/26/2020</a:t>
             </a:fld>
             <a:endParaRPr lang="en-US"/>
           </a:p>
@@ -2353,7 +2354,7 @@
           <a:p>
             <a:fld id="{DBFDDC6D-30E6-4591-A5D6-EBA4A0A375E4}" type="datetimeFigureOut">
               <a:rPr lang="en-US" smtClean="0"/>
-              <a:t>2/25/2020</a:t>
+              <a:t>2/26/2020</a:t>
             </a:fld>
             <a:endParaRPr lang="en-US"/>
           </a:p>
@@ -2566,7 +2567,7 @@
           <a:p>
             <a:fld id="{DBFDDC6D-30E6-4591-A5D6-EBA4A0A375E4}" type="datetimeFigureOut">
               <a:rPr lang="en-US" smtClean="0"/>
-              <a:t>2/25/2020</a:t>
+              <a:t>2/26/2020</a:t>
             </a:fld>
             <a:endParaRPr lang="en-US"/>
           </a:p>
@@ -3060,24 +3061,16 @@
           <a:p>
             <a:pPr lvl="2"/>
             <a:r>
-              <a:rPr lang="en-CA"/>
-              <a:t>Three Method 2D Analysis </a:t>
-            </a:r>
-            <a:r>
-              <a:rPr lang="en-CA"/>
-              <a:t>Comparison </a:t>
-            </a:r>
-            <a:endParaRPr lang="en-CA" smtClean="0"/>
+              <a:rPr lang="en-CA" dirty="0"/>
+              <a:t>Three Method 2D Analysis Comparison </a:t>
+            </a:r>
+            <a:endParaRPr lang="en-CA" dirty="0" smtClean="0"/>
           </a:p>
           <a:p>
             <a:pPr lvl="2"/>
             <a:r>
-              <a:rPr lang="en-CA" smtClean="0"/>
-              <a:t>Textbook </a:t>
-            </a:r>
-            <a:r>
               <a:rPr lang="en-CA" dirty="0" smtClean="0"/>
-              <a:t>Questions – See Unit Outline</a:t>
+              <a:t>Textbook Questions – See Unit Outline</a:t>
             </a:r>
             <a:endParaRPr lang="en-CA" dirty="0"/>
           </a:p>
@@ -3156,11 +3149,19 @@
           <a:p>
             <a:pPr lvl="1"/>
             <a:r>
-              <a:rPr lang="en-CA" dirty="0" smtClean="0"/>
+              <a:rPr lang="en-CA" dirty="0" smtClean="0">
+                <a:solidFill>
+                  <a:srgbClr val="FF0000"/>
+                </a:solidFill>
+              </a:rPr>
               <a:t>Tomorrow: </a:t>
             </a:r>
             <a:r>
-              <a:rPr lang="en-CA" dirty="0"/>
+              <a:rPr lang="en-CA" dirty="0">
+                <a:solidFill>
+                  <a:srgbClr val="FF0000"/>
+                </a:solidFill>
+              </a:rPr>
               <a:t>2D Motion Quiz</a:t>
             </a:r>
           </a:p>
@@ -3170,6 +3171,107 @@
     <p:extLst>
       <p:ext uri="{BB962C8B-B14F-4D97-AF65-F5344CB8AC3E}">
         <p14:creationId xmlns:p14="http://schemas.microsoft.com/office/powerpoint/2010/main" val="1209346082"/>
+      </p:ext>
+    </p:extLst>
+  </p:cSld>
+  <p:clrMapOvr>
+    <a:masterClrMapping/>
+  </p:clrMapOvr>
+</p:sld>
+</file>
+
+<file path=ppt/slides/slide2.xml><?xml version="1.0" encoding="utf-8"?>
+<p:sld xmlns:a="http://schemas.openxmlformats.org/drawingml/2006/main" xmlns:r="http://schemas.openxmlformats.org/officeDocument/2006/relationships" xmlns:p="http://schemas.openxmlformats.org/presentationml/2006/main">
+  <p:cSld>
+    <p:spTree>
+      <p:nvGrpSpPr>
+        <p:cNvPr id="1" name=""/>
+        <p:cNvGrpSpPr/>
+        <p:nvPr/>
+      </p:nvGrpSpPr>
+      <p:grpSpPr>
+        <a:xfrm>
+          <a:off x="0" y="0"/>
+          <a:ext cx="0" cy="0"/>
+          <a:chOff x="0" y="0"/>
+          <a:chExt cx="0" cy="0"/>
+        </a:xfrm>
+      </p:grpSpPr>
+      <p:sp>
+        <p:nvSpPr>
+          <p:cNvPr id="2" name="Title 1"/>
+          <p:cNvSpPr>
+            <a:spLocks noGrp="1"/>
+          </p:cNvSpPr>
+          <p:nvPr>
+            <p:ph type="title"/>
+          </p:nvPr>
+        </p:nvSpPr>
+        <p:spPr/>
+        <p:txBody>
+          <a:bodyPr/>
+          <a:lstStyle/>
+          <a:p>
+            <a:r>
+              <a:rPr lang="en-CA" dirty="0" smtClean="0"/>
+              <a:t>Warm-Up Question</a:t>
+            </a:r>
+            <a:endParaRPr lang="en-US" dirty="0"/>
+          </a:p>
+        </p:txBody>
+      </p:sp>
+      <p:sp>
+        <p:nvSpPr>
+          <p:cNvPr id="3" name="Content Placeholder 2"/>
+          <p:cNvSpPr>
+            <a:spLocks noGrp="1"/>
+          </p:cNvSpPr>
+          <p:nvPr>
+            <p:ph idx="1"/>
+          </p:nvPr>
+        </p:nvSpPr>
+        <p:spPr/>
+        <p:txBody>
+          <a:bodyPr/>
+          <a:lstStyle/>
+          <a:p>
+            <a:r>
+              <a:rPr lang="en-CA" dirty="0"/>
+              <a:t>A  large cruise boat moving at 5.00 km/h  [NE] speeds up and turns over a 15.00 minute time interval to reach a new velocity of 8.00 km/h [S].  Find the acceleration of the boat. </a:t>
+            </a:r>
+            <a:endParaRPr lang="en-CA" dirty="0" smtClean="0"/>
+          </a:p>
+          <a:p>
+            <a:endParaRPr lang="en-CA" dirty="0"/>
+          </a:p>
+          <a:p>
+            <a:pPr marL="0" indent="0" algn="r">
+              <a:buNone/>
+            </a:pPr>
+            <a:r>
+              <a:rPr lang="en-CA" dirty="0" err="1" smtClean="0"/>
+              <a:t>Ans</a:t>
+            </a:r>
+            <a:r>
+              <a:rPr lang="en-CA" dirty="0" smtClean="0"/>
+              <a:t>: 48.3 km/h</a:t>
+            </a:r>
+            <a:r>
+              <a:rPr lang="en-CA" baseline="30000" dirty="0" smtClean="0"/>
+              <a:t>2</a:t>
+            </a:r>
+            <a:r>
+              <a:rPr lang="en-CA" dirty="0" smtClean="0"/>
+              <a:t> [S17°W]</a:t>
+            </a:r>
+            <a:endParaRPr lang="en-US" dirty="0"/>
+          </a:p>
+        </p:txBody>
+      </p:sp>
+    </p:spTree>
+    <p:extLst>
+      <p:ext uri="{BB962C8B-B14F-4D97-AF65-F5344CB8AC3E}">
+        <p14:creationId xmlns:p14="http://schemas.microsoft.com/office/powerpoint/2010/main" val="155996193"/>
       </p:ext>
     </p:extLst>
   </p:cSld>
